--- a/하트비트 기반 서버 아키텍쳐.pptx
+++ b/하트비트 기반 서버 아키텍쳐.pptx
@@ -116,6 +116,11 @@
       </a:defRPr>
     </a:lvl9pPr>
   </p:defaultTextStyle>
+  <p:extLst>
+    <p:ext uri="{EFAFB233-063F-42B5-8137-9DF3F51BA10A}">
+      <p15:sldGuideLst xmlns:p15="http://schemas.microsoft.com/office/powerpoint/2012/main"/>
+    </p:ext>
+  </p:extLst>
 </p:presentation>
 </file>
 
@@ -217,7 +222,7 @@
           <a:p>
             <a:fld id="{BF48D8E4-B8FF-4997-972F-C5F4487E728E}" type="datetimeFigureOut">
               <a:rPr lang="ko-KR" altLang="en-US" smtClean="0"/>
-              <a:t>2025-07-05</a:t>
+              <a:t>2025-07-07</a:t>
             </a:fld>
             <a:endParaRPr lang="ko-KR" altLang="en-US"/>
           </a:p>
@@ -399,7 +404,7 @@
           <a:p>
             <a:fld id="{1743D7E4-1248-4852-A4FD-468A042164DB}" type="datetimeFigureOut">
               <a:rPr lang="ko-KR" altLang="en-US" smtClean="0"/>
-              <a:t>2025-07-05</a:t>
+              <a:t>2025-07-07</a:t>
             </a:fld>
             <a:endParaRPr lang="ko-KR" altLang="en-US"/>
           </a:p>
@@ -896,7 +901,7 @@
           <a:p>
             <a:fld id="{2BCC5495-D97A-4FD2-A69B-8FFE69AC2E42}" type="datetime1">
               <a:rPr lang="en-US" altLang="ko-KR" smtClean="0"/>
-              <a:t>7/5/2025</a:t>
+              <a:t>7/7/2025</a:t>
             </a:fld>
             <a:endParaRPr lang="en-US" dirty="0"/>
           </a:p>
@@ -1226,7 +1231,7 @@
           <a:p>
             <a:fld id="{D3BC105C-BDE0-4081-89D0-7B81C5987321}" type="datetime1">
               <a:rPr lang="en-US" altLang="ko-KR" smtClean="0"/>
-              <a:t>7/5/2025</a:t>
+              <a:t>7/7/2025</a:t>
             </a:fld>
             <a:endParaRPr lang="en-US" dirty="0"/>
           </a:p>
@@ -1500,7 +1505,7 @@
           <a:p>
             <a:fld id="{C5173764-BB7E-4F3F-8FF6-B72040EFB534}" type="datetime1">
               <a:rPr lang="en-US" altLang="ko-KR" smtClean="0"/>
-              <a:t>7/5/2025</a:t>
+              <a:t>7/7/2025</a:t>
             </a:fld>
             <a:endParaRPr lang="en-US" dirty="0"/>
           </a:p>
@@ -2064,7 +2069,7 @@
           <a:p>
             <a:fld id="{6F2A34CB-BEEB-48C3-877D-9BBB2BEDB7A1}" type="datetime1">
               <a:rPr lang="en-US" altLang="ko-KR" smtClean="0"/>
-              <a:t>7/5/2025</a:t>
+              <a:t>7/7/2025</a:t>
             </a:fld>
             <a:endParaRPr lang="en-US" dirty="0"/>
           </a:p>
@@ -2338,7 +2343,7 @@
           <a:p>
             <a:fld id="{7A6F83D9-6BAF-4F5C-9EFA-68D72DAF80EC}" type="datetime1">
               <a:rPr lang="en-US" altLang="ko-KR" smtClean="0"/>
-              <a:t>7/5/2025</a:t>
+              <a:t>7/7/2025</a:t>
             </a:fld>
             <a:endParaRPr lang="en-US" dirty="0"/>
           </a:p>
@@ -2896,7 +2901,7 @@
           <a:p>
             <a:fld id="{C8D61F21-538E-4C63-A8D9-1FE141D1F6B2}" type="datetime1">
               <a:rPr lang="en-US" altLang="ko-KR" smtClean="0"/>
-              <a:t>7/5/2025</a:t>
+              <a:t>7/7/2025</a:t>
             </a:fld>
             <a:endParaRPr lang="en-US" dirty="0"/>
           </a:p>
@@ -3219,7 +3224,7 @@
           <a:p>
             <a:fld id="{ACAD820E-26B5-4100-8BC4-C0C933406531}" type="datetime1">
               <a:rPr lang="en-US" altLang="ko-KR" smtClean="0"/>
-              <a:t>7/5/2025</a:t>
+              <a:t>7/7/2025</a:t>
             </a:fld>
             <a:endParaRPr lang="en-US" dirty="0"/>
           </a:p>
@@ -3420,7 +3425,7 @@
           <a:p>
             <a:fld id="{4EA6EFF7-6DA6-4372-80EF-07F6F5EAB670}" type="datetime1">
               <a:rPr lang="en-US" altLang="ko-KR" smtClean="0"/>
-              <a:t>7/5/2025</a:t>
+              <a:t>7/7/2025</a:t>
             </a:fld>
             <a:endParaRPr lang="en-US" dirty="0"/>
           </a:p>
@@ -3626,7 +3631,7 @@
           <a:p>
             <a:fld id="{8CF06611-0F91-42BC-8F4E-1E9CDF416B21}" type="datetime1">
               <a:rPr lang="en-US" altLang="ko-KR" smtClean="0"/>
-              <a:t>7/5/2025</a:t>
+              <a:t>7/7/2025</a:t>
             </a:fld>
             <a:endParaRPr lang="en-US" dirty="0"/>
           </a:p>
@@ -3822,7 +3827,7 @@
           <a:p>
             <a:fld id="{806F698B-0B42-4EF3-8C1F-3042C9C756F4}" type="datetime1">
               <a:rPr lang="en-US" altLang="ko-KR" smtClean="0"/>
-              <a:t>7/5/2025</a:t>
+              <a:t>7/7/2025</a:t>
             </a:fld>
             <a:endParaRPr lang="en-US" dirty="0"/>
           </a:p>
@@ -4094,7 +4099,7 @@
           <a:p>
             <a:fld id="{A4DC9B84-541B-40D3-AF7A-35534F632A3E}" type="datetime1">
               <a:rPr lang="en-US" altLang="ko-KR" smtClean="0"/>
-              <a:t>7/5/2025</a:t>
+              <a:t>7/7/2025</a:t>
             </a:fld>
             <a:endParaRPr lang="en-US" dirty="0"/>
           </a:p>
@@ -4356,7 +4361,7 @@
           <a:p>
             <a:fld id="{FD5080E9-2BC0-4639-A573-5E31347B91F8}" type="datetime1">
               <a:rPr lang="en-US" altLang="ko-KR" smtClean="0"/>
-              <a:t>7/5/2025</a:t>
+              <a:t>7/7/2025</a:t>
             </a:fld>
             <a:endParaRPr lang="en-US" dirty="0"/>
           </a:p>
@@ -4726,7 +4731,7 @@
           <a:p>
             <a:fld id="{D8737377-CA97-4B54-980A-5C49AF2CBB61}" type="datetime1">
               <a:rPr lang="en-US" altLang="ko-KR" smtClean="0"/>
-              <a:t>7/5/2025</a:t>
+              <a:t>7/7/2025</a:t>
             </a:fld>
             <a:endParaRPr lang="en-US" dirty="0"/>
           </a:p>
@@ -4870,7 +4875,7 @@
           <a:p>
             <a:fld id="{69FB5235-66ED-4053-B989-2C3DEC7E8466}" type="datetime1">
               <a:rPr lang="en-US" altLang="ko-KR" smtClean="0"/>
-              <a:t>7/5/2025</a:t>
+              <a:t>7/7/2025</a:t>
             </a:fld>
             <a:endParaRPr lang="en-US" dirty="0"/>
           </a:p>
@@ -4991,7 +4996,7 @@
           <a:p>
             <a:fld id="{1306671F-7A72-4195-8FFD-FEC24481E92F}" type="datetime1">
               <a:rPr lang="en-US" altLang="ko-KR" smtClean="0"/>
-              <a:t>7/5/2025</a:t>
+              <a:t>7/7/2025</a:t>
             </a:fld>
             <a:endParaRPr lang="en-US" dirty="0"/>
           </a:p>
@@ -5272,7 +5277,7 @@
           <a:p>
             <a:fld id="{7E0FBCF4-EB18-4223-BF26-599029906CF0}" type="datetime1">
               <a:rPr lang="en-US" altLang="ko-KR" smtClean="0"/>
-              <a:t>7/5/2025</a:t>
+              <a:t>7/7/2025</a:t>
             </a:fld>
             <a:endParaRPr lang="en-US" dirty="0"/>
           </a:p>
@@ -5592,7 +5597,7 @@
           <a:p>
             <a:fld id="{05F13134-6B25-48BC-AC2F-CF20F21F41C9}" type="datetime1">
               <a:rPr lang="en-US" altLang="ko-KR" smtClean="0"/>
-              <a:t>7/5/2025</a:t>
+              <a:t>7/7/2025</a:t>
             </a:fld>
             <a:endParaRPr lang="en-US" dirty="0"/>
           </a:p>
@@ -5802,7 +5807,7 @@
           <a:p>
             <a:fld id="{5FB8A1C1-AE95-4991-89F3-3ED56DE2B4F3}" type="datetime1">
               <a:rPr lang="en-US" altLang="ko-KR" smtClean="0"/>
-              <a:t>7/5/2025</a:t>
+              <a:t>7/7/2025</a:t>
             </a:fld>
             <a:endParaRPr lang="en-US" dirty="0"/>
           </a:p>
@@ -11580,6 +11585,197 @@
               <a:t>BattleServer</a:t>
             </a:r>
             <a:endParaRPr lang="ko-KR" altLang="en-US" sz="4400" dirty="0"/>
+          </a:p>
+        </p:txBody>
+      </p:sp>
+      <p:sp>
+        <p:nvSpPr>
+          <p:cNvPr id="3" name="직사각형 2">
+            <a:extLst>
+              <a:ext uri="{FF2B5EF4-FFF2-40B4-BE49-F238E27FC236}">
+                <a16:creationId xmlns:a16="http://schemas.microsoft.com/office/drawing/2014/main" id="{F9470C20-0A06-43A6-9828-3CC25BED8189}"/>
+              </a:ext>
+            </a:extLst>
+          </p:cNvPr>
+          <p:cNvSpPr/>
+          <p:nvPr/>
+        </p:nvSpPr>
+        <p:spPr>
+          <a:xfrm>
+            <a:off x="0" y="1056452"/>
+            <a:ext cx="12172950" cy="3855997"/>
+          </a:xfrm>
+          <a:prstGeom prst="rect">
+            <a:avLst/>
+          </a:prstGeom>
+        </p:spPr>
+        <p:style>
+          <a:lnRef idx="2">
+            <a:schemeClr val="dk1">
+              <a:shade val="50000"/>
+            </a:schemeClr>
+          </a:lnRef>
+          <a:fillRef idx="1">
+            <a:schemeClr val="dk1"/>
+          </a:fillRef>
+          <a:effectRef idx="0">
+            <a:schemeClr val="dk1"/>
+          </a:effectRef>
+          <a:fontRef idx="minor">
+            <a:schemeClr val="lt1"/>
+          </a:fontRef>
+        </p:style>
+        <p:txBody>
+          <a:bodyPr rtlCol="0" anchor="ctr"/>
+          <a:lstStyle/>
+          <a:p>
+            <a:pPr algn="ctr"/>
+            <a:r>
+              <a:rPr lang="ko-KR" altLang="en-US" dirty="0"/>
+              <a:t>흐름</a:t>
+            </a:r>
+            <a:endParaRPr lang="en-US" altLang="ko-KR" dirty="0"/>
+          </a:p>
+          <a:p>
+            <a:pPr algn="ctr"/>
+            <a:r>
+              <a:rPr lang="en-US" altLang="ko-KR" dirty="0"/>
+              <a:t> </a:t>
+            </a:r>
+          </a:p>
+          <a:p>
+            <a:pPr algn="ctr"/>
+            <a:r>
+              <a:rPr lang="ko-KR" altLang="en-US" dirty="0"/>
+              <a:t>채널서버 </a:t>
+            </a:r>
+            <a:r>
+              <a:rPr lang="en-US" altLang="ko-KR" dirty="0"/>
+              <a:t>-&gt; REDIS PUB</a:t>
+            </a:r>
+          </a:p>
+          <a:p>
+            <a:pPr algn="ctr"/>
+            <a:r>
+              <a:rPr lang="ko-KR" altLang="en-US" dirty="0" err="1"/>
+              <a:t>배틀서버</a:t>
+            </a:r>
+            <a:r>
+              <a:rPr lang="ko-KR" altLang="en-US" dirty="0"/>
+              <a:t> </a:t>
+            </a:r>
+            <a:r>
+              <a:rPr lang="en-US" altLang="ko-KR" dirty="0"/>
+              <a:t>&lt;- REDIS SUB</a:t>
+            </a:r>
+          </a:p>
+          <a:p>
+            <a:pPr algn="ctr"/>
+            <a:endParaRPr lang="en-US" altLang="ko-KR" dirty="0"/>
+          </a:p>
+          <a:p>
+            <a:pPr algn="ctr"/>
+            <a:r>
+              <a:rPr lang="ko-KR" altLang="en-US" dirty="0" err="1"/>
+              <a:t>배틀서버</a:t>
+            </a:r>
+            <a:r>
+              <a:rPr lang="ko-KR" altLang="en-US" dirty="0"/>
+              <a:t> </a:t>
+            </a:r>
+            <a:r>
+              <a:rPr lang="en-US" altLang="ko-KR" dirty="0"/>
+              <a:t>-&gt; </a:t>
+            </a:r>
+            <a:r>
+              <a:rPr lang="ko-KR" altLang="en-US" dirty="0" err="1"/>
+              <a:t>룸생성</a:t>
+            </a:r>
+            <a:endParaRPr lang="en-US" altLang="ko-KR" dirty="0"/>
+          </a:p>
+          <a:p>
+            <a:pPr algn="ctr"/>
+            <a:r>
+              <a:rPr lang="ko-KR" altLang="en-US" dirty="0"/>
+              <a:t>채널서버 </a:t>
+            </a:r>
+            <a:r>
+              <a:rPr lang="en-US" altLang="ko-KR" dirty="0"/>
+              <a:t>-&gt; Redis Token Set , </a:t>
+            </a:r>
+            <a:r>
+              <a:rPr lang="ko-KR" altLang="en-US" dirty="0"/>
+              <a:t>클라이언트 에게 전달</a:t>
+            </a:r>
+            <a:endParaRPr lang="en-US" altLang="ko-KR" dirty="0"/>
+          </a:p>
+          <a:p>
+            <a:pPr algn="ctr"/>
+            <a:endParaRPr lang="en-US" altLang="ko-KR" dirty="0"/>
+          </a:p>
+          <a:p>
+            <a:pPr algn="ctr"/>
+            <a:r>
+              <a:rPr lang="ko-KR" altLang="en-US" dirty="0"/>
+              <a:t>플레이어 </a:t>
+            </a:r>
+            <a:r>
+              <a:rPr lang="en-US" altLang="ko-KR" dirty="0"/>
+              <a:t>3</a:t>
+            </a:r>
+            <a:r>
+              <a:rPr lang="ko-KR" altLang="en-US" dirty="0"/>
+              <a:t>인 </a:t>
+            </a:r>
+            <a:r>
+              <a:rPr lang="ko-KR" altLang="en-US" dirty="0" err="1"/>
+              <a:t>배틀서버</a:t>
+            </a:r>
+            <a:r>
+              <a:rPr lang="ko-KR" altLang="en-US" dirty="0"/>
+              <a:t> 커넥션 </a:t>
+            </a:r>
+            <a:r>
+              <a:rPr lang="en-US" altLang="ko-KR" dirty="0"/>
+              <a:t>-&gt; </a:t>
+            </a:r>
+            <a:r>
+              <a:rPr lang="ko-KR" altLang="en-US" dirty="0"/>
+              <a:t>인증 </a:t>
+            </a:r>
+            <a:r>
+              <a:rPr lang="en-US" altLang="ko-KR" dirty="0"/>
+              <a:t>-&gt; </a:t>
+            </a:r>
+            <a:r>
+              <a:rPr lang="ko-KR" altLang="en-US" dirty="0" err="1"/>
+              <a:t>인증토큰을</a:t>
+            </a:r>
+            <a:r>
+              <a:rPr lang="ko-KR" altLang="en-US" dirty="0"/>
+              <a:t> 통해 </a:t>
+            </a:r>
+            <a:r>
+              <a:rPr lang="en-US" altLang="ko-KR" dirty="0"/>
+              <a:t>Redis </a:t>
+            </a:r>
+            <a:r>
+              <a:rPr lang="ko-KR" altLang="en-US" dirty="0"/>
+              <a:t>정보 조회 </a:t>
+            </a:r>
+            <a:r>
+              <a:rPr lang="en-US" altLang="ko-KR" dirty="0"/>
+              <a:t>-&gt; </a:t>
+            </a:r>
+            <a:r>
+              <a:rPr lang="ko-KR" altLang="en-US" dirty="0"/>
+              <a:t>각 룸으로 이관</a:t>
+            </a:r>
+            <a:endParaRPr lang="en-US" altLang="ko-KR" dirty="0"/>
+          </a:p>
+          <a:p>
+            <a:pPr algn="ctr"/>
+            <a:endParaRPr lang="ko-KR" altLang="en-US" dirty="0"/>
           </a:p>
         </p:txBody>
       </p:sp>
